--- a/UNDER DEVELOPMENT/OPAR Version 2/JESTER/SYTGT007_DAMASCUS_NE_AMMO_FACTORY.pptx
+++ b/UNDER DEVELOPMENT/OPAR Version 2/JESTER/SYTGT007_DAMASCUS_NE_AMMO_FACTORY.pptx
@@ -109,7 +109,7 @@
   </p:defaultTextStyle>
   <p:extLst>
     <p:ext uri="{EFAFB233-063F-42B5-8137-9DF3F51BA10A}">
-      <p15:sldGuideLst xmlns:p15="http://schemas.microsoft.com/office/powerpoint/2012/main">
+      <p15:sldGuideLst xmlns:p15="http://schemas.microsoft.com/office/powerpoint/2012/main" xmlns="">
         <p15:guide id="1" orient="horz" pos="1620">
           <p15:clr>
             <a:srgbClr val="A4A3A4"/>
@@ -209,7 +209,7 @@
             <a:fld id="{40637A30-8EE1-4060-9976-8832FC89EE34}" type="datetimeFigureOut">
               <a:rPr lang="nb-NO" smtClean="0"/>
               <a:pPr/>
-              <a:t>02.01.2022</a:t>
+              <a:t>09.06.2022</a:t>
             </a:fld>
             <a:endParaRPr lang="nb-NO"/>
           </a:p>
@@ -3617,7 +3617,7 @@
           <p:cNvPr id="1030" name="Picture 1029" descr="A picture containing text&#10;&#10;Description automatically generated">
             <a:extLst>
               <a:ext uri="{FF2B5EF4-FFF2-40B4-BE49-F238E27FC236}">
-                <a16:creationId xmlns:a16="http://schemas.microsoft.com/office/drawing/2014/main" id="{BFACB7C9-87D6-4EF8-9030-9A23CA6AF719}"/>
+                <a16:creationId xmlns:a16="http://schemas.microsoft.com/office/drawing/2014/main" xmlns="" id="{BFACB7C9-87D6-4EF8-9030-9A23CA6AF719}"/>
               </a:ext>
             </a:extLst>
           </p:cNvPr>
@@ -3630,7 +3630,7 @@
           <a:blip r:embed="rId2" cstate="print">
             <a:extLst>
               <a:ext uri="{BEBA8EAE-BF5A-486C-A8C5-ECC9F3942E4B}">
-                <a14:imgProps xmlns:a14="http://schemas.microsoft.com/office/drawing/2010/main">
+                <a14:imgProps xmlns:a14="http://schemas.microsoft.com/office/drawing/2010/main" xmlns="">
                   <a14:imgLayer r:embed="rId3">
                     <a14:imgEffect>
                       <a14:saturation sat="0"/>
@@ -3639,7 +3639,7 @@
                 </a14:imgProps>
               </a:ext>
               <a:ext uri="{28A0092B-C50C-407E-A947-70E740481C1C}">
-                <a14:useLocalDpi xmlns:a14="http://schemas.microsoft.com/office/drawing/2010/main" val="0"/>
+                <a14:useLocalDpi xmlns:a14="http://schemas.microsoft.com/office/drawing/2010/main" xmlns="" val="0"/>
               </a:ext>
             </a:extLst>
           </a:blip>
@@ -3661,7 +3661,7 @@
           <p:cNvPr id="1034" name="Freeform: Shape 1033">
             <a:extLst>
               <a:ext uri="{FF2B5EF4-FFF2-40B4-BE49-F238E27FC236}">
-                <a16:creationId xmlns:a16="http://schemas.microsoft.com/office/drawing/2014/main" id="{26A3018B-3EEA-4A31-BB2A-858C713CD82D}"/>
+                <a16:creationId xmlns:a16="http://schemas.microsoft.com/office/drawing/2014/main" xmlns="" id="{26A3018B-3EEA-4A31-BB2A-858C713CD82D}"/>
               </a:ext>
             </a:extLst>
           </p:cNvPr>
@@ -4686,7 +4686,7 @@
           <p:cNvPr id="79" name="Group 78">
             <a:extLst>
               <a:ext uri="{FF2B5EF4-FFF2-40B4-BE49-F238E27FC236}">
-                <a16:creationId xmlns:a16="http://schemas.microsoft.com/office/drawing/2014/main" id="{33461E15-C5D1-4B19-94F9-9075ED62D8E2}"/>
+                <a16:creationId xmlns:a16="http://schemas.microsoft.com/office/drawing/2014/main" xmlns="" id="{33461E15-C5D1-4B19-94F9-9075ED62D8E2}"/>
               </a:ext>
             </a:extLst>
           </p:cNvPr>
@@ -4706,7 +4706,7 @@
             <p:cNvPr id="80" name="TekstSylinder 9">
               <a:extLst>
                 <a:ext uri="{FF2B5EF4-FFF2-40B4-BE49-F238E27FC236}">
-                  <a16:creationId xmlns:a16="http://schemas.microsoft.com/office/drawing/2014/main" id="{B06FA1A2-D6C0-460B-8454-E6AEFCDAA6B1}"/>
+                  <a16:creationId xmlns:a16="http://schemas.microsoft.com/office/drawing/2014/main" xmlns="" id="{B06FA1A2-D6C0-460B-8454-E6AEFCDAA6B1}"/>
                 </a:ext>
               </a:extLst>
             </p:cNvPr>
@@ -4747,7 +4747,7 @@
             <p:cNvPr id="81" name="Isosceles Triangle 80">
               <a:extLst>
                 <a:ext uri="{FF2B5EF4-FFF2-40B4-BE49-F238E27FC236}">
-                  <a16:creationId xmlns:a16="http://schemas.microsoft.com/office/drawing/2014/main" id="{5FCD3639-9B5F-40F5-9CD1-72C89F4B050A}"/>
+                  <a16:creationId xmlns:a16="http://schemas.microsoft.com/office/drawing/2014/main" xmlns="" id="{5FCD3639-9B5F-40F5-9CD1-72C89F4B050A}"/>
                 </a:ext>
               </a:extLst>
             </p:cNvPr>
@@ -4804,7 +4804,7 @@
           <p:cNvPr id="109" name="Group 108">
             <a:extLst>
               <a:ext uri="{FF2B5EF4-FFF2-40B4-BE49-F238E27FC236}">
-                <a16:creationId xmlns:a16="http://schemas.microsoft.com/office/drawing/2014/main" id="{C6B5FDC9-4B85-4F2C-8F7C-1F3BCB906CBD}"/>
+                <a16:creationId xmlns:a16="http://schemas.microsoft.com/office/drawing/2014/main" xmlns="" id="{C6B5FDC9-4B85-4F2C-8F7C-1F3BCB906CBD}"/>
               </a:ext>
             </a:extLst>
           </p:cNvPr>
@@ -4824,7 +4824,7 @@
             <p:cNvPr id="110" name="TekstSylinder 9">
               <a:extLst>
                 <a:ext uri="{FF2B5EF4-FFF2-40B4-BE49-F238E27FC236}">
-                  <a16:creationId xmlns:a16="http://schemas.microsoft.com/office/drawing/2014/main" id="{57AB2839-25EE-4A77-8161-6DD47530EC64}"/>
+                  <a16:creationId xmlns:a16="http://schemas.microsoft.com/office/drawing/2014/main" xmlns="" id="{57AB2839-25EE-4A77-8161-6DD47530EC64}"/>
                 </a:ext>
               </a:extLst>
             </p:cNvPr>
@@ -4865,7 +4865,7 @@
             <p:cNvPr id="111" name="Isosceles Triangle 110">
               <a:extLst>
                 <a:ext uri="{FF2B5EF4-FFF2-40B4-BE49-F238E27FC236}">
-                  <a16:creationId xmlns:a16="http://schemas.microsoft.com/office/drawing/2014/main" id="{3CED6978-576F-47EC-BB1E-3B0BCA61D001}"/>
+                  <a16:creationId xmlns:a16="http://schemas.microsoft.com/office/drawing/2014/main" xmlns="" id="{3CED6978-576F-47EC-BB1E-3B0BCA61D001}"/>
                 </a:ext>
               </a:extLst>
             </p:cNvPr>
@@ -4922,7 +4922,7 @@
           <p:cNvPr id="161" name="Freeform: Shape 160">
             <a:extLst>
               <a:ext uri="{FF2B5EF4-FFF2-40B4-BE49-F238E27FC236}">
-                <a16:creationId xmlns:a16="http://schemas.microsoft.com/office/drawing/2014/main" id="{5D9F70E4-2480-4389-BFAC-5347C0B5C98B}"/>
+                <a16:creationId xmlns:a16="http://schemas.microsoft.com/office/drawing/2014/main" xmlns="" id="{5D9F70E4-2480-4389-BFAC-5347C0B5C98B}"/>
               </a:ext>
             </a:extLst>
           </p:cNvPr>
@@ -5079,7 +5079,7 @@
           <p:cNvPr id="112" name="Group 111">
             <a:extLst>
               <a:ext uri="{FF2B5EF4-FFF2-40B4-BE49-F238E27FC236}">
-                <a16:creationId xmlns:a16="http://schemas.microsoft.com/office/drawing/2014/main" id="{F6A6438B-9C14-441D-AB78-E82C30FE1BDF}"/>
+                <a16:creationId xmlns:a16="http://schemas.microsoft.com/office/drawing/2014/main" xmlns="" id="{F6A6438B-9C14-441D-AB78-E82C30FE1BDF}"/>
               </a:ext>
             </a:extLst>
           </p:cNvPr>
@@ -5099,7 +5099,7 @@
             <p:cNvPr id="113" name="TekstSylinder 9">
               <a:extLst>
                 <a:ext uri="{FF2B5EF4-FFF2-40B4-BE49-F238E27FC236}">
-                  <a16:creationId xmlns:a16="http://schemas.microsoft.com/office/drawing/2014/main" id="{74FB48D5-58F8-4883-9C16-FA2963101FB8}"/>
+                  <a16:creationId xmlns:a16="http://schemas.microsoft.com/office/drawing/2014/main" xmlns="" id="{74FB48D5-58F8-4883-9C16-FA2963101FB8}"/>
                 </a:ext>
               </a:extLst>
             </p:cNvPr>
@@ -5140,7 +5140,7 @@
             <p:cNvPr id="114" name="Isosceles Triangle 113">
               <a:extLst>
                 <a:ext uri="{FF2B5EF4-FFF2-40B4-BE49-F238E27FC236}">
-                  <a16:creationId xmlns:a16="http://schemas.microsoft.com/office/drawing/2014/main" id="{36FFF256-1FF4-48D1-BF96-C642D463E9A5}"/>
+                  <a16:creationId xmlns:a16="http://schemas.microsoft.com/office/drawing/2014/main" xmlns="" id="{36FFF256-1FF4-48D1-BF96-C642D463E9A5}"/>
                 </a:ext>
               </a:extLst>
             </p:cNvPr>
@@ -5197,7 +5197,7 @@
           <p:cNvPr id="115" name="Group 114">
             <a:extLst>
               <a:ext uri="{FF2B5EF4-FFF2-40B4-BE49-F238E27FC236}">
-                <a16:creationId xmlns:a16="http://schemas.microsoft.com/office/drawing/2014/main" id="{80611DE4-8A4B-4EA1-B8BF-70A264E5B741}"/>
+                <a16:creationId xmlns:a16="http://schemas.microsoft.com/office/drawing/2014/main" xmlns="" id="{80611DE4-8A4B-4EA1-B8BF-70A264E5B741}"/>
               </a:ext>
             </a:extLst>
           </p:cNvPr>
@@ -5217,7 +5217,7 @@
             <p:cNvPr id="116" name="TekstSylinder 9">
               <a:extLst>
                 <a:ext uri="{FF2B5EF4-FFF2-40B4-BE49-F238E27FC236}">
-                  <a16:creationId xmlns:a16="http://schemas.microsoft.com/office/drawing/2014/main" id="{A706CB99-0262-4551-9558-5B5156E183A4}"/>
+                  <a16:creationId xmlns:a16="http://schemas.microsoft.com/office/drawing/2014/main" xmlns="" id="{A706CB99-0262-4551-9558-5B5156E183A4}"/>
                 </a:ext>
               </a:extLst>
             </p:cNvPr>
@@ -5258,7 +5258,7 @@
             <p:cNvPr id="117" name="Isosceles Triangle 116">
               <a:extLst>
                 <a:ext uri="{FF2B5EF4-FFF2-40B4-BE49-F238E27FC236}">
-                  <a16:creationId xmlns:a16="http://schemas.microsoft.com/office/drawing/2014/main" id="{FCFA5332-DFF1-4BC8-9C0D-63C9D53A4A91}"/>
+                  <a16:creationId xmlns:a16="http://schemas.microsoft.com/office/drawing/2014/main" xmlns="" id="{FCFA5332-DFF1-4BC8-9C0D-63C9D53A4A91}"/>
                 </a:ext>
               </a:extLst>
             </p:cNvPr>
@@ -5315,7 +5315,7 @@
           <p:cNvPr id="118" name="Group 117">
             <a:extLst>
               <a:ext uri="{FF2B5EF4-FFF2-40B4-BE49-F238E27FC236}">
-                <a16:creationId xmlns:a16="http://schemas.microsoft.com/office/drawing/2014/main" id="{F22A5E66-F601-43FA-8CD2-58FDC12BCEB9}"/>
+                <a16:creationId xmlns:a16="http://schemas.microsoft.com/office/drawing/2014/main" xmlns="" id="{F22A5E66-F601-43FA-8CD2-58FDC12BCEB9}"/>
               </a:ext>
             </a:extLst>
           </p:cNvPr>
@@ -5335,7 +5335,7 @@
             <p:cNvPr id="119" name="TekstSylinder 9">
               <a:extLst>
                 <a:ext uri="{FF2B5EF4-FFF2-40B4-BE49-F238E27FC236}">
-                  <a16:creationId xmlns:a16="http://schemas.microsoft.com/office/drawing/2014/main" id="{6CB73BBD-8015-41D6-94DB-7B7D0D610F4D}"/>
+                  <a16:creationId xmlns:a16="http://schemas.microsoft.com/office/drawing/2014/main" xmlns="" id="{6CB73BBD-8015-41D6-94DB-7B7D0D610F4D}"/>
                 </a:ext>
               </a:extLst>
             </p:cNvPr>
@@ -5376,7 +5376,7 @@
             <p:cNvPr id="120" name="Isosceles Triangle 119">
               <a:extLst>
                 <a:ext uri="{FF2B5EF4-FFF2-40B4-BE49-F238E27FC236}">
-                  <a16:creationId xmlns:a16="http://schemas.microsoft.com/office/drawing/2014/main" id="{93F390A0-1042-4C1E-94CC-DC5185EB969E}"/>
+                  <a16:creationId xmlns:a16="http://schemas.microsoft.com/office/drawing/2014/main" xmlns="" id="{93F390A0-1042-4C1E-94CC-DC5185EB969E}"/>
                 </a:ext>
               </a:extLst>
             </p:cNvPr>
@@ -5433,7 +5433,7 @@
           <p:cNvPr id="1031" name="Freeform: Shape 1030">
             <a:extLst>
               <a:ext uri="{FF2B5EF4-FFF2-40B4-BE49-F238E27FC236}">
-                <a16:creationId xmlns:a16="http://schemas.microsoft.com/office/drawing/2014/main" id="{A782565A-30D1-4417-A1BF-9DC45ED07625}"/>
+                <a16:creationId xmlns:a16="http://schemas.microsoft.com/office/drawing/2014/main" xmlns="" id="{A782565A-30D1-4417-A1BF-9DC45ED07625}"/>
               </a:ext>
             </a:extLst>
           </p:cNvPr>
@@ -5548,7 +5548,7 @@
           <p:cNvPr id="124" name="Group 123">
             <a:extLst>
               <a:ext uri="{FF2B5EF4-FFF2-40B4-BE49-F238E27FC236}">
-                <a16:creationId xmlns:a16="http://schemas.microsoft.com/office/drawing/2014/main" id="{D799CF00-29B0-4D9E-B6C7-87687E8F2F05}"/>
+                <a16:creationId xmlns:a16="http://schemas.microsoft.com/office/drawing/2014/main" xmlns="" id="{D799CF00-29B0-4D9E-B6C7-87687E8F2F05}"/>
               </a:ext>
             </a:extLst>
           </p:cNvPr>
@@ -5568,7 +5568,7 @@
             <p:cNvPr id="125" name="TekstSylinder 9">
               <a:extLst>
                 <a:ext uri="{FF2B5EF4-FFF2-40B4-BE49-F238E27FC236}">
-                  <a16:creationId xmlns:a16="http://schemas.microsoft.com/office/drawing/2014/main" id="{75414F36-ED6C-4881-AC92-28891A43263F}"/>
+                  <a16:creationId xmlns:a16="http://schemas.microsoft.com/office/drawing/2014/main" xmlns="" id="{75414F36-ED6C-4881-AC92-28891A43263F}"/>
                 </a:ext>
               </a:extLst>
             </p:cNvPr>
@@ -5609,7 +5609,7 @@
             <p:cNvPr id="126" name="Isosceles Triangle 125">
               <a:extLst>
                 <a:ext uri="{FF2B5EF4-FFF2-40B4-BE49-F238E27FC236}">
-                  <a16:creationId xmlns:a16="http://schemas.microsoft.com/office/drawing/2014/main" id="{996D2175-7AF5-4945-9417-EF2A93BCC201}"/>
+                  <a16:creationId xmlns:a16="http://schemas.microsoft.com/office/drawing/2014/main" xmlns="" id="{996D2175-7AF5-4945-9417-EF2A93BCC201}"/>
                 </a:ext>
               </a:extLst>
             </p:cNvPr>
@@ -5666,7 +5666,7 @@
           <p:cNvPr id="149" name="Group 148">
             <a:extLst>
               <a:ext uri="{FF2B5EF4-FFF2-40B4-BE49-F238E27FC236}">
-                <a16:creationId xmlns:a16="http://schemas.microsoft.com/office/drawing/2014/main" id="{7B039059-86E9-4E3B-99BB-45A84075ED6D}"/>
+                <a16:creationId xmlns:a16="http://schemas.microsoft.com/office/drawing/2014/main" xmlns="" id="{7B039059-86E9-4E3B-99BB-45A84075ED6D}"/>
               </a:ext>
             </a:extLst>
           </p:cNvPr>
@@ -5686,7 +5686,7 @@
             <p:cNvPr id="150" name="TekstSylinder 9">
               <a:extLst>
                 <a:ext uri="{FF2B5EF4-FFF2-40B4-BE49-F238E27FC236}">
-                  <a16:creationId xmlns:a16="http://schemas.microsoft.com/office/drawing/2014/main" id="{D1D2DEBB-9E61-47D8-B17C-2AEE7F8EF09D}"/>
+                  <a16:creationId xmlns:a16="http://schemas.microsoft.com/office/drawing/2014/main" xmlns="" id="{D1D2DEBB-9E61-47D8-B17C-2AEE7F8EF09D}"/>
                 </a:ext>
               </a:extLst>
             </p:cNvPr>
@@ -5727,7 +5727,7 @@
             <p:cNvPr id="151" name="Isosceles Triangle 150">
               <a:extLst>
                 <a:ext uri="{FF2B5EF4-FFF2-40B4-BE49-F238E27FC236}">
-                  <a16:creationId xmlns:a16="http://schemas.microsoft.com/office/drawing/2014/main" id="{A5C2F99E-5658-491B-A248-A6112344E58D}"/>
+                  <a16:creationId xmlns:a16="http://schemas.microsoft.com/office/drawing/2014/main" xmlns="" id="{A5C2F99E-5658-491B-A248-A6112344E58D}"/>
                 </a:ext>
               </a:extLst>
             </p:cNvPr>
@@ -5784,7 +5784,7 @@
           <p:cNvPr id="152" name="Group 151">
             <a:extLst>
               <a:ext uri="{FF2B5EF4-FFF2-40B4-BE49-F238E27FC236}">
-                <a16:creationId xmlns:a16="http://schemas.microsoft.com/office/drawing/2014/main" id="{E63E2BF5-4B82-47E9-8769-883AC1D3388A}"/>
+                <a16:creationId xmlns:a16="http://schemas.microsoft.com/office/drawing/2014/main" xmlns="" id="{E63E2BF5-4B82-47E9-8769-883AC1D3388A}"/>
               </a:ext>
             </a:extLst>
           </p:cNvPr>
@@ -5804,7 +5804,7 @@
             <p:cNvPr id="153" name="TekstSylinder 9">
               <a:extLst>
                 <a:ext uri="{FF2B5EF4-FFF2-40B4-BE49-F238E27FC236}">
-                  <a16:creationId xmlns:a16="http://schemas.microsoft.com/office/drawing/2014/main" id="{4DEE770E-DFE4-4A37-8AA0-493332FE63C6}"/>
+                  <a16:creationId xmlns:a16="http://schemas.microsoft.com/office/drawing/2014/main" xmlns="" id="{4DEE770E-DFE4-4A37-8AA0-493332FE63C6}"/>
                 </a:ext>
               </a:extLst>
             </p:cNvPr>
@@ -5845,7 +5845,7 @@
             <p:cNvPr id="154" name="Isosceles Triangle 153">
               <a:extLst>
                 <a:ext uri="{FF2B5EF4-FFF2-40B4-BE49-F238E27FC236}">
-                  <a16:creationId xmlns:a16="http://schemas.microsoft.com/office/drawing/2014/main" id="{098A6316-FF72-4D58-82A5-6DE4046B6107}"/>
+                  <a16:creationId xmlns:a16="http://schemas.microsoft.com/office/drawing/2014/main" xmlns="" id="{098A6316-FF72-4D58-82A5-6DE4046B6107}"/>
                 </a:ext>
               </a:extLst>
             </p:cNvPr>
@@ -5902,7 +5902,7 @@
           <p:cNvPr id="155" name="Group 154">
             <a:extLst>
               <a:ext uri="{FF2B5EF4-FFF2-40B4-BE49-F238E27FC236}">
-                <a16:creationId xmlns:a16="http://schemas.microsoft.com/office/drawing/2014/main" id="{B6B6FAFD-9C58-4C95-B729-C4800B96D183}"/>
+                <a16:creationId xmlns:a16="http://schemas.microsoft.com/office/drawing/2014/main" xmlns="" id="{B6B6FAFD-9C58-4C95-B729-C4800B96D183}"/>
               </a:ext>
             </a:extLst>
           </p:cNvPr>
@@ -5922,7 +5922,7 @@
             <p:cNvPr id="156" name="TekstSylinder 9">
               <a:extLst>
                 <a:ext uri="{FF2B5EF4-FFF2-40B4-BE49-F238E27FC236}">
-                  <a16:creationId xmlns:a16="http://schemas.microsoft.com/office/drawing/2014/main" id="{63C0DBC8-FC8B-45EF-B7F6-0C928D285D08}"/>
+                  <a16:creationId xmlns:a16="http://schemas.microsoft.com/office/drawing/2014/main" xmlns="" id="{63C0DBC8-FC8B-45EF-B7F6-0C928D285D08}"/>
                 </a:ext>
               </a:extLst>
             </p:cNvPr>
@@ -5963,7 +5963,7 @@
             <p:cNvPr id="157" name="Isosceles Triangle 156">
               <a:extLst>
                 <a:ext uri="{FF2B5EF4-FFF2-40B4-BE49-F238E27FC236}">
-                  <a16:creationId xmlns:a16="http://schemas.microsoft.com/office/drawing/2014/main" id="{1DF82225-E5FB-46F0-94F8-0B8AEA34C849}"/>
+                  <a16:creationId xmlns:a16="http://schemas.microsoft.com/office/drawing/2014/main" xmlns="" id="{1DF82225-E5FB-46F0-94F8-0B8AEA34C849}"/>
                 </a:ext>
               </a:extLst>
             </p:cNvPr>
